--- a/day1/project_description_eng.pptx
+++ b/day1/project_description_eng.pptx
@@ -215,7 +215,7 @@
           <a:p>
             <a:fld id="{BA37A87E-936F-4EA3-BD0B-2E5672005778}" type="datetimeFigureOut">
               <a:rPr lang="en-US" smtClean="0"/>
-              <a:t>1/14/2018</a:t>
+              <a:t>1/7/2022</a:t>
             </a:fld>
             <a:endParaRPr lang="en-US"/>
           </a:p>
@@ -706,7 +706,7 @@
           <a:p>
             <a:fld id="{BF72F582-C16A-45E3-BD81-E11B0D54F9E4}" type="datetime1">
               <a:rPr lang="en-US" smtClean="0"/>
-              <a:t>1/14/2018</a:t>
+              <a:t>1/7/2022</a:t>
             </a:fld>
             <a:endParaRPr lang="en-US"/>
           </a:p>
@@ -893,7 +893,7 @@
           <a:p>
             <a:fld id="{4966B73B-C8F8-4F0A-B4B7-E96A3A9344DC}" type="datetime1">
               <a:rPr lang="en-US" smtClean="0"/>
-              <a:t>1/14/2018</a:t>
+              <a:t>1/7/2022</a:t>
             </a:fld>
             <a:endParaRPr lang="en-US"/>
           </a:p>
@@ -1089,7 +1089,7 @@
           <a:p>
             <a:fld id="{B965D6DD-DA63-4034-8E6E-B0A2E639E5F4}" type="datetime1">
               <a:rPr lang="en-US" smtClean="0"/>
-              <a:t>1/14/2018</a:t>
+              <a:t>1/7/2022</a:t>
             </a:fld>
             <a:endParaRPr lang="en-US"/>
           </a:p>
@@ -1341,7 +1341,7 @@
           <a:p>
             <a:fld id="{71D8598D-8F79-4692-AAAD-85E785EF657F}" type="datetime1">
               <a:rPr lang="en-US" smtClean="0"/>
-              <a:t>1/14/2018</a:t>
+              <a:t>1/7/2022</a:t>
             </a:fld>
             <a:endParaRPr lang="en-US"/>
           </a:p>
@@ -1565,7 +1565,7 @@
           <a:p>
             <a:fld id="{A2A98422-756A-49D8-B06F-F016174FBC9D}" type="datetime1">
               <a:rPr lang="en-US" smtClean="0"/>
-              <a:t>1/14/2018</a:t>
+              <a:t>1/7/2022</a:t>
             </a:fld>
             <a:endParaRPr lang="en-US"/>
           </a:p>
@@ -1873,7 +1873,7 @@
           <a:p>
             <a:fld id="{279B6D3D-6B7A-4B9C-86A3-E4E43C8EA19E}" type="datetime1">
               <a:rPr lang="en-US" smtClean="0"/>
-              <a:t>1/14/2018</a:t>
+              <a:t>1/7/2022</a:t>
             </a:fld>
             <a:endParaRPr lang="en-US"/>
           </a:p>
@@ -2041,7 +2041,7 @@
           <a:p>
             <a:fld id="{CE641B3A-297E-47DF-BC7D-FD1C7A18CB9E}" type="datetime1">
               <a:rPr lang="en-US" smtClean="0"/>
-              <a:t>1/14/2018</a:t>
+              <a:t>1/7/2022</a:t>
             </a:fld>
             <a:endParaRPr lang="en-US"/>
           </a:p>
@@ -2353,7 +2353,7 @@
           <a:p>
             <a:fld id="{63BD70E9-973E-4965-B9D2-2FC566019480}" type="datetime1">
               <a:rPr lang="en-US" smtClean="0"/>
-              <a:t>1/14/2018</a:t>
+              <a:t>1/7/2022</a:t>
             </a:fld>
             <a:endParaRPr lang="en-US"/>
           </a:p>
@@ -2665,7 +2665,7 @@
           <a:p>
             <a:fld id="{58B47097-C3B7-4432-930E-C52DB5F1013A}" type="datetime1">
               <a:rPr lang="en-US" smtClean="0"/>
-              <a:t>1/14/2018</a:t>
+              <a:t>1/7/2022</a:t>
             </a:fld>
             <a:endParaRPr lang="en-US"/>
           </a:p>
@@ -2851,7 +2851,7 @@
           <a:p>
             <a:fld id="{E8C95706-7C91-4252-89CF-E906B7125F54}" type="datetime1">
               <a:rPr lang="en-US" smtClean="0"/>
-              <a:t>1/14/2018</a:t>
+              <a:t>1/7/2022</a:t>
             </a:fld>
             <a:endParaRPr lang="en-US"/>
           </a:p>
@@ -3060,7 +3060,7 @@
           <a:p>
             <a:fld id="{6D0ED48A-C664-4D0D-8066-BC877DB0D1CD}" type="datetime1">
               <a:rPr lang="en-US" smtClean="0"/>
-              <a:t>1/14/2018</a:t>
+              <a:t>1/7/2022</a:t>
             </a:fld>
             <a:endParaRPr lang="en-US"/>
           </a:p>
@@ -3363,7 +3363,7 @@
           <a:p>
             <a:fld id="{D0F4D811-9205-43FF-9EC6-DA91A0E5B6B5}" type="datetime1">
               <a:rPr lang="en-US" smtClean="0"/>
-              <a:t>1/14/2018</a:t>
+              <a:t>1/7/2022</a:t>
             </a:fld>
             <a:endParaRPr lang="en-US"/>
           </a:p>
@@ -3805,7 +3805,7 @@
           <a:p>
             <a:fld id="{236FF40E-E4D3-4983-A5E8-78CE8E3E6CEA}" type="datetime1">
               <a:rPr lang="en-US" smtClean="0"/>
-              <a:t>1/14/2018</a:t>
+              <a:t>1/7/2022</a:t>
             </a:fld>
             <a:endParaRPr lang="en-US"/>
           </a:p>
@@ -3940,7 +3940,7 @@
           <a:p>
             <a:fld id="{87545799-480A-4ADB-84DA-4445F0B6F91F}" type="datetime1">
               <a:rPr lang="en-US" smtClean="0"/>
-              <a:t>1/14/2018</a:t>
+              <a:t>1/7/2022</a:t>
             </a:fld>
             <a:endParaRPr lang="en-US"/>
           </a:p>
@@ -4053,7 +4053,7 @@
           <a:p>
             <a:fld id="{ACA62B20-F4DF-41EC-A938-37DC7612F54B}" type="datetime1">
               <a:rPr lang="en-US" smtClean="0"/>
-              <a:t>1/14/2018</a:t>
+              <a:t>1/7/2022</a:t>
             </a:fld>
             <a:endParaRPr lang="en-US"/>
           </a:p>
@@ -4346,7 +4346,7 @@
           <a:p>
             <a:fld id="{7483651A-B352-4B3F-82D9-FD6E638E4477}" type="datetime1">
               <a:rPr lang="en-US" smtClean="0"/>
-              <a:t>1/14/2018</a:t>
+              <a:t>1/7/2022</a:t>
             </a:fld>
             <a:endParaRPr lang="en-US"/>
           </a:p>
@@ -4620,7 +4620,7 @@
           <a:p>
             <a:fld id="{88CF645F-5DE2-4D67-BC75-FB79309F1ED7}" type="datetime1">
               <a:rPr lang="en-US" smtClean="0"/>
-              <a:t>1/14/2018</a:t>
+              <a:t>1/7/2022</a:t>
             </a:fld>
             <a:endParaRPr lang="en-US"/>
           </a:p>
@@ -4914,7 +4914,7 @@
           <a:p>
             <a:fld id="{D99BC85F-208F-4ACE-9FF9-E59DC3DE382E}" type="datetime1">
               <a:rPr lang="en-US" smtClean="0"/>
-              <a:t>1/14/2018</a:t>
+              <a:t>1/7/2022</a:t>
             </a:fld>
             <a:endParaRPr lang="en-US"/>
           </a:p>
@@ -5629,8 +5629,13 @@
             </a:br>
             <a:r>
               <a:rPr lang="en-US" sz="3200" dirty="0"/>
-              <a:t>10 January 2018</a:t>
-            </a:r>
+              <a:t>10 January </a:t>
+            </a:r>
+            <a:r>
+              <a:rPr lang="en-US" sz="3200" dirty="0" smtClean="0"/>
+              <a:t>2022</a:t>
+            </a:r>
+            <a:endParaRPr lang="en-US" sz="3200" dirty="0"/>
           </a:p>
         </p:txBody>
       </p:sp>
@@ -5879,9 +5884,18 @@
           </a:p>
           <a:p>
             <a:r>
+              <a:rPr lang="en-US" dirty="0" smtClean="0"/>
+              <a:t>10-14 </a:t>
+            </a:r>
+            <a:r>
               <a:rPr lang="en-US" dirty="0"/>
-              <a:t>15-20 January, 2018</a:t>
-            </a:r>
+              <a:t>January, </a:t>
+            </a:r>
+            <a:r>
+              <a:rPr lang="en-US" dirty="0" smtClean="0"/>
+              <a:t>2022</a:t>
+            </a:r>
+            <a:endParaRPr lang="en-US" dirty="0"/>
           </a:p>
           <a:p>
             <a:r>
@@ -5902,6 +5916,11 @@
               <a:rPr lang="en-US" dirty="0"/>
               <a:t> </a:t>
             </a:r>
+            <a:r>
+              <a:rPr lang="en-US" dirty="0" smtClean="0"/>
+              <a:t>&amp; Dr. Noble Hendrix</a:t>
+            </a:r>
+            <a:endParaRPr lang="en-US" dirty="0"/>
           </a:p>
         </p:txBody>
       </p:sp>
@@ -6023,8 +6042,12 @@
           <a:p>
             <a:pPr marL="914400" lvl="1" indent="-514350"/>
             <a:r>
+              <a:rPr lang="en-US" dirty="0" smtClean="0"/>
+              <a:t>Email plan </a:t>
+            </a:r>
+            <a:r>
               <a:rPr lang="en-US" dirty="0"/>
-              <a:t>Plan by Tuesday</a:t>
+              <a:t>by Tuesday</a:t>
             </a:r>
           </a:p>
           <a:p>
@@ -6190,8 +6213,21 @@
             </a:pPr>
             <a:r>
               <a:rPr lang="en-US" dirty="0"/>
-              <a:t>Simulation study: use R to simulate data, use TMB to fit it</a:t>
-            </a:r>
+              <a:t>Simulation study: use </a:t>
+            </a:r>
+            <a:r>
+              <a:rPr lang="en-US" dirty="0" smtClean="0"/>
+              <a:t>R (or TMB) </a:t>
+            </a:r>
+            <a:r>
+              <a:rPr lang="en-US" dirty="0"/>
+              <a:t>to simulate data, use TMB to fit </a:t>
+            </a:r>
+            <a:r>
+              <a:rPr lang="en-US" dirty="0" smtClean="0"/>
+              <a:t>it</a:t>
+            </a:r>
+            <a:endParaRPr lang="en-US" dirty="0"/>
           </a:p>
           <a:p>
             <a:pPr marL="514350" indent="-514350">
@@ -6217,9 +6253,18 @@
               <a:buAutoNum type="arabicPeriod"/>
             </a:pPr>
             <a:r>
-              <a:rPr lang="en-US" dirty="0"/>
-              <a:t>Compare methods of determining uncertainty for a model</a:t>
-            </a:r>
+              <a:rPr lang="en-US" dirty="0" smtClean="0"/>
+              <a:t>Compare random effects vs fixed effects for von </a:t>
+            </a:r>
+            <a:r>
+              <a:rPr lang="en-US" dirty="0" err="1" smtClean="0"/>
+              <a:t>Bertalanffy</a:t>
+            </a:r>
+            <a:r>
+              <a:rPr lang="en-US" dirty="0" smtClean="0"/>
+              <a:t> growth model </a:t>
+            </a:r>
+            <a:endParaRPr lang="en-US" dirty="0"/>
           </a:p>
           <a:p>
             <a:pPr marL="0" indent="0">
